--- a/1. Stack & Que.pptx
+++ b/1. Stack & Que.pptx
@@ -106,6 +106,11 @@
       </a:defRPr>
     </a:lvl9pPr>
   </p:defaultTextStyle>
+  <p:extLst>
+    <p:ext uri="{EFAFB233-063F-42B5-8137-9DF3F51BA10A}">
+      <p15:sldGuideLst xmlns:p15="http://schemas.microsoft.com/office/powerpoint/2012/main"/>
+    </p:ext>
+  </p:extLst>
 </p:presentation>
 </file>
 
@@ -3376,6 +3381,13 @@
           <a:bodyPr/>
           <a:lstStyle/>
           <a:p>
+            <a:r>
+              <a:rPr lang="ko-KR" altLang="en-US" dirty="0"/>
+              <a:t>알고리즘 개요 </a:t>
+            </a:r>
+            <a:endParaRPr lang="en-US" altLang="ko-KR"/>
+          </a:p>
+          <a:p>
             <a:endParaRPr lang="ko-KR" altLang="en-US" dirty="0"/>
           </a:p>
         </p:txBody>

--- a/1. Stack & Que.pptx
+++ b/1. Stack & Que.pptx
@@ -8,6 +8,7 @@
     <p:sldId id="256" r:id="rId2"/>
     <p:sldId id="257" r:id="rId3"/>
     <p:sldId id="259" r:id="rId4"/>
+    <p:sldId id="260" r:id="rId5"/>
   </p:sldIdLst>
   <p:sldSz cx="12192000" cy="6858000"/>
   <p:notesSz cx="6858000" cy="9144000"/>
@@ -277,7 +278,7 @@
           <a:p>
             <a:fld id="{1160EA64-D806-43AC-9DF2-F8C432F32B4C}" type="datetimeFigureOut">
               <a:rPr lang="en-US" dirty="0"/>
-              <a:t>2/1/2020</a:t>
+              <a:t>2/2/2020</a:t>
             </a:fld>
             <a:endParaRPr lang="en-US" dirty="0"/>
           </a:p>
@@ -443,7 +444,7 @@
           <a:p>
             <a:fld id="{E9F9C37B-1D36-470B-8223-D6C91242EC14}" type="datetimeFigureOut">
               <a:rPr lang="en-US" dirty="0"/>
-              <a:t>2/1/2020</a:t>
+              <a:t>2/2/2020</a:t>
             </a:fld>
             <a:endParaRPr lang="en-US" dirty="0"/>
           </a:p>
@@ -618,7 +619,7 @@
           <a:p>
             <a:fld id="{67C6F52A-A82B-47A2-A83A-8C4C91F2D59F}" type="datetimeFigureOut">
               <a:rPr lang="en-US" dirty="0"/>
-              <a:t>2/1/2020</a:t>
+              <a:t>2/2/2020</a:t>
             </a:fld>
             <a:endParaRPr lang="en-US" dirty="0"/>
           </a:p>
@@ -783,7 +784,7 @@
           <a:p>
             <a:fld id="{F070A7B3-6521-4DCA-87E5-044747A908C1}" type="datetimeFigureOut">
               <a:rPr lang="en-US" dirty="0"/>
-              <a:t>2/1/2020</a:t>
+              <a:t>2/2/2020</a:t>
             </a:fld>
             <a:endParaRPr lang="en-US" dirty="0"/>
           </a:p>
@@ -1047,7 +1048,7 @@
           <a:p>
             <a:fld id="{1160EA64-D806-43AC-9DF2-F8C432F32B4C}" type="datetimeFigureOut">
               <a:rPr lang="en-US" dirty="0"/>
-              <a:t>2/1/2020</a:t>
+              <a:t>2/2/2020</a:t>
             </a:fld>
             <a:endParaRPr lang="en-US" dirty="0"/>
           </a:p>
@@ -1275,7 +1276,7 @@
           <a:p>
             <a:fld id="{AB134690-1557-4C89-A502-4959FE7FAD70}" type="datetimeFigureOut">
               <a:rPr lang="en-US" dirty="0"/>
-              <a:t>2/1/2020</a:t>
+              <a:t>2/2/2020</a:t>
             </a:fld>
             <a:endParaRPr lang="en-US" dirty="0"/>
           </a:p>
@@ -1629,7 +1630,7 @@
           <a:p>
             <a:fld id="{4F7D4976-E339-4826-83B7-FBD03F55ECF8}" type="datetimeFigureOut">
               <a:rPr lang="en-US" dirty="0"/>
-              <a:t>2/1/2020</a:t>
+              <a:t>2/2/2020</a:t>
             </a:fld>
             <a:endParaRPr lang="en-US" dirty="0"/>
           </a:p>
@@ -1765,7 +1766,7 @@
           <a:p>
             <a:fld id="{E1037C31-9E7A-4F99-8774-A0E530DE1A42}" type="datetimeFigureOut">
               <a:rPr lang="en-US" dirty="0"/>
-              <a:t>2/1/2020</a:t>
+              <a:t>2/2/2020</a:t>
             </a:fld>
             <a:endParaRPr lang="en-US" dirty="0"/>
           </a:p>
@@ -1855,7 +1856,7 @@
           <a:p>
             <a:fld id="{C278504F-A551-4DE0-9316-4DCD1D8CC752}" type="datetimeFigureOut">
               <a:rPr lang="en-US" dirty="0"/>
-              <a:t>2/1/2020</a:t>
+              <a:t>2/2/2020</a:t>
             </a:fld>
             <a:endParaRPr lang="en-US" dirty="0"/>
           </a:p>
@@ -2207,7 +2208,7 @@
           <a:p>
             <a:fld id="{D1BE4249-C0D0-4B06-8692-E8BB871AF643}" type="datetimeFigureOut">
               <a:rPr lang="en-US" dirty="0"/>
-              <a:t>2/1/2020</a:t>
+              <a:t>2/2/2020</a:t>
             </a:fld>
             <a:endParaRPr lang="en-US" dirty="0"/>
           </a:p>
@@ -2559,7 +2560,7 @@
           <a:p>
             <a:fld id="{042B0DB6-F5C7-45FB-8CF3-31B45F9C2DAC}" type="datetimeFigureOut">
               <a:rPr lang="en-US" dirty="0"/>
-              <a:t>2/1/2020</a:t>
+              <a:t>2/2/2020</a:t>
             </a:fld>
             <a:endParaRPr lang="en-US" dirty="0"/>
           </a:p>
@@ -2796,7 +2797,7 @@
           <a:p>
             <a:fld id="{1160EA64-D806-43AC-9DF2-F8C432F32B4C}" type="datetimeFigureOut">
               <a:rPr lang="en-US" dirty="0"/>
-              <a:t>2/1/2020</a:t>
+              <a:t>2/2/2020</a:t>
             </a:fld>
             <a:endParaRPr lang="en-US" dirty="0"/>
           </a:p>
@@ -3376,22 +3377,500 @@
             <p:ph idx="1"/>
           </p:nvPr>
         </p:nvSpPr>
-        <p:spPr/>
+        <p:spPr>
+          <a:xfrm>
+            <a:off x="3000684" y="2638042"/>
+            <a:ext cx="2312727" cy="3101983"/>
+          </a:xfrm>
+        </p:spPr>
         <p:txBody>
           <a:bodyPr/>
           <a:lstStyle/>
           <a:p>
+            <a:pPr marL="0" indent="0">
+              <a:buNone/>
+            </a:pPr>
+            <a:r>
+              <a:rPr lang="en-US" altLang="ko-KR" dirty="0"/>
+              <a:t>1. </a:t>
+            </a:r>
             <a:r>
               <a:rPr lang="ko-KR" altLang="en-US" dirty="0"/>
               <a:t>알고리즘 개요 </a:t>
             </a:r>
-            <a:endParaRPr lang="en-US" altLang="ko-KR"/>
+            <a:endParaRPr lang="en-US" altLang="ko-KR" dirty="0"/>
+          </a:p>
+          <a:p>
+            <a:r>
+              <a:rPr lang="en-US" altLang="ko-KR" dirty="0"/>
+              <a:t>Stack </a:t>
+            </a:r>
+            <a:r>
+              <a:rPr lang="ko-KR" altLang="en-US" dirty="0"/>
+              <a:t>알고리즘이란</a:t>
+            </a:r>
+            <a:r>
+              <a:rPr lang="en-US" altLang="ko-KR" dirty="0"/>
+              <a:t>? </a:t>
+            </a:r>
+          </a:p>
+          <a:p>
+            <a:r>
+              <a:rPr lang="en-US" altLang="ko-KR" dirty="0"/>
+              <a:t>Que</a:t>
+            </a:r>
+            <a:r>
+              <a:rPr lang="ko-KR" altLang="en-US" dirty="0"/>
+              <a:t> 알고리즘이란</a:t>
+            </a:r>
+            <a:r>
+              <a:rPr lang="en-US" altLang="ko-KR" dirty="0"/>
+              <a:t>?</a:t>
+            </a:r>
+          </a:p>
+          <a:p>
+            <a:pPr marL="0" indent="0">
+              <a:buNone/>
+            </a:pPr>
+            <a:endParaRPr lang="en-US" altLang="ko-KR" dirty="0"/>
+          </a:p>
+          <a:p>
+            <a:pPr marL="0" indent="0">
+              <a:buNone/>
+            </a:pPr>
+            <a:r>
+              <a:rPr lang="en-US" altLang="ko-KR" dirty="0"/>
+              <a:t>2. </a:t>
+            </a:r>
+            <a:r>
+              <a:rPr lang="ko-KR" altLang="en-US" dirty="0"/>
+              <a:t>알고리즘의 </a:t>
+            </a:r>
+            <a:r>
+              <a:rPr lang="ko-KR" altLang="en-US" dirty="0" err="1"/>
+              <a:t>매커니즘</a:t>
+            </a:r>
+            <a:r>
+              <a:rPr lang="ko-KR" altLang="en-US" dirty="0"/>
+              <a:t> </a:t>
+            </a:r>
+            <a:endParaRPr lang="en-US" altLang="ko-KR" dirty="0"/>
+          </a:p>
+          <a:p>
+            <a:r>
+              <a:rPr lang="en-US" altLang="ko-KR" dirty="0"/>
+              <a:t>Stack </a:t>
+            </a:r>
+            <a:r>
+              <a:rPr lang="ko-KR" altLang="en-US" dirty="0"/>
+              <a:t>알고리즘의 구조</a:t>
+            </a:r>
+            <a:endParaRPr lang="en-US" altLang="ko-KR" dirty="0"/>
+          </a:p>
+          <a:p>
+            <a:r>
+              <a:rPr lang="en-US" altLang="ko-KR" dirty="0"/>
+              <a:t>Que </a:t>
+            </a:r>
+            <a:r>
+              <a:rPr lang="ko-KR" altLang="en-US" dirty="0"/>
+              <a:t>알고리즘의 구조 </a:t>
+            </a:r>
+            <a:r>
+              <a:rPr lang="en-US" altLang="ko-KR" dirty="0"/>
+              <a:t> </a:t>
+            </a:r>
           </a:p>
           <a:p>
             <a:endParaRPr lang="ko-KR" altLang="en-US" dirty="0"/>
           </a:p>
         </p:txBody>
       </p:sp>
+      <p:sp>
+        <p:nvSpPr>
+          <p:cNvPr id="4" name="내용 개체 틀 2">
+            <a:extLst>
+              <a:ext uri="{FF2B5EF4-FFF2-40B4-BE49-F238E27FC236}">
+                <a16:creationId xmlns:a16="http://schemas.microsoft.com/office/drawing/2014/main" id="{50C38EEE-EAF8-439E-AB53-D3944AEACFC4}"/>
+              </a:ext>
+            </a:extLst>
+          </p:cNvPr>
+          <p:cNvSpPr txBox="1">
+            <a:spLocks/>
+          </p:cNvSpPr>
+          <p:nvPr/>
+        </p:nvSpPr>
+        <p:spPr>
+          <a:xfrm>
+            <a:off x="6987380" y="2638041"/>
+            <a:ext cx="2203936" cy="3101983"/>
+          </a:xfrm>
+          <a:prstGeom prst="rect">
+            <a:avLst/>
+          </a:prstGeom>
+        </p:spPr>
+        <p:txBody>
+          <a:bodyPr vert="horz" lIns="91440" tIns="45720" rIns="91440" bIns="45720" rtlCol="0">
+            <a:normAutofit/>
+          </a:bodyPr>
+          <a:lstStyle>
+            <a:lvl1pPr marL="228600" indent="-228600" algn="l" defTabSz="914400" rtl="0" eaLnBrk="1" latinLnBrk="1" hangingPunct="1">
+              <a:lnSpc>
+                <a:spcPct val="100000"/>
+              </a:lnSpc>
+              <a:spcBef>
+                <a:spcPts val="1000"/>
+              </a:spcBef>
+              <a:buClr>
+                <a:schemeClr val="accent2"/>
+              </a:buClr>
+              <a:buFont typeface="Arial" panose="020B0604020202020204" pitchFamily="34" charset="0"/>
+              <a:buChar char="•"/>
+              <a:defRPr sz="1800" kern="1200">
+                <a:solidFill>
+                  <a:schemeClr val="tx1">
+                    <a:lumMod val="85000"/>
+                    <a:lumOff val="15000"/>
+                  </a:schemeClr>
+                </a:solidFill>
+                <a:latin typeface="+mn-lt"/>
+                <a:ea typeface="+mn-ea"/>
+                <a:cs typeface="+mn-cs"/>
+              </a:defRPr>
+            </a:lvl1pPr>
+            <a:lvl2pPr marL="457200" indent="-228600" algn="l" defTabSz="914400" rtl="0" eaLnBrk="1" latinLnBrk="1" hangingPunct="1">
+              <a:lnSpc>
+                <a:spcPct val="100000"/>
+              </a:lnSpc>
+              <a:spcBef>
+                <a:spcPts val="1000"/>
+              </a:spcBef>
+              <a:buClr>
+                <a:schemeClr val="accent2"/>
+              </a:buClr>
+              <a:buFont typeface="Arial" panose="020B0604020202020204" pitchFamily="34" charset="0"/>
+              <a:buChar char="•"/>
+              <a:defRPr sz="1600" kern="1200">
+                <a:solidFill>
+                  <a:schemeClr val="tx1">
+                    <a:lumMod val="85000"/>
+                    <a:lumOff val="15000"/>
+                  </a:schemeClr>
+                </a:solidFill>
+                <a:latin typeface="+mn-lt"/>
+                <a:ea typeface="+mn-ea"/>
+                <a:cs typeface="+mn-cs"/>
+              </a:defRPr>
+            </a:lvl2pPr>
+            <a:lvl3pPr marL="685800" indent="-228600" algn="l" defTabSz="914400" rtl="0" eaLnBrk="1" latinLnBrk="1" hangingPunct="1">
+              <a:lnSpc>
+                <a:spcPct val="100000"/>
+              </a:lnSpc>
+              <a:spcBef>
+                <a:spcPts val="1000"/>
+              </a:spcBef>
+              <a:buClr>
+                <a:schemeClr val="accent2"/>
+              </a:buClr>
+              <a:buFont typeface="Arial" panose="020B0604020202020204" pitchFamily="34" charset="0"/>
+              <a:buChar char="•"/>
+              <a:defRPr sz="1600" kern="1200">
+                <a:solidFill>
+                  <a:schemeClr val="tx1">
+                    <a:lumMod val="85000"/>
+                    <a:lumOff val="15000"/>
+                  </a:schemeClr>
+                </a:solidFill>
+                <a:latin typeface="+mn-lt"/>
+                <a:ea typeface="+mn-ea"/>
+                <a:cs typeface="+mn-cs"/>
+              </a:defRPr>
+            </a:lvl3pPr>
+            <a:lvl4pPr marL="914400" indent="-228600" algn="l" defTabSz="914400" rtl="0" eaLnBrk="1" latinLnBrk="1" hangingPunct="1">
+              <a:lnSpc>
+                <a:spcPct val="100000"/>
+              </a:lnSpc>
+              <a:spcBef>
+                <a:spcPts val="1000"/>
+              </a:spcBef>
+              <a:buClr>
+                <a:schemeClr val="accent2"/>
+              </a:buClr>
+              <a:buFont typeface="Arial" panose="020B0604020202020204" pitchFamily="34" charset="0"/>
+              <a:buChar char="•"/>
+              <a:defRPr sz="1600" kern="1200">
+                <a:solidFill>
+                  <a:schemeClr val="tx1">
+                    <a:lumMod val="85000"/>
+                    <a:lumOff val="15000"/>
+                  </a:schemeClr>
+                </a:solidFill>
+                <a:latin typeface="+mn-lt"/>
+                <a:ea typeface="+mn-ea"/>
+                <a:cs typeface="+mn-cs"/>
+              </a:defRPr>
+            </a:lvl4pPr>
+            <a:lvl5pPr marL="1143000" indent="-228600" algn="l" defTabSz="914400" rtl="0" eaLnBrk="1" latinLnBrk="1" hangingPunct="1">
+              <a:lnSpc>
+                <a:spcPct val="100000"/>
+              </a:lnSpc>
+              <a:spcBef>
+                <a:spcPts val="1000"/>
+              </a:spcBef>
+              <a:buClr>
+                <a:schemeClr val="accent2"/>
+              </a:buClr>
+              <a:buFont typeface="Arial" panose="020B0604020202020204" pitchFamily="34" charset="0"/>
+              <a:buChar char="•"/>
+              <a:defRPr sz="1600" kern="1200">
+                <a:solidFill>
+                  <a:schemeClr val="tx1">
+                    <a:lumMod val="85000"/>
+                    <a:lumOff val="15000"/>
+                  </a:schemeClr>
+                </a:solidFill>
+                <a:latin typeface="+mn-lt"/>
+                <a:ea typeface="+mn-ea"/>
+                <a:cs typeface="+mn-cs"/>
+              </a:defRPr>
+            </a:lvl5pPr>
+            <a:lvl6pPr marL="1312863" indent="-228600" algn="l" defTabSz="914400" rtl="0" eaLnBrk="1" latinLnBrk="1" hangingPunct="1">
+              <a:lnSpc>
+                <a:spcPct val="100000"/>
+              </a:lnSpc>
+              <a:spcBef>
+                <a:spcPts val="1000"/>
+              </a:spcBef>
+              <a:buClr>
+                <a:schemeClr val="accent2"/>
+              </a:buClr>
+              <a:buFont typeface="Arial" panose="020B0604020202020204" pitchFamily="34" charset="0"/>
+              <a:buChar char="•"/>
+              <a:defRPr sz="1600" kern="1200">
+                <a:solidFill>
+                  <a:schemeClr val="tx1"/>
+                </a:solidFill>
+                <a:latin typeface="+mn-lt"/>
+                <a:ea typeface="+mn-ea"/>
+                <a:cs typeface="+mn-cs"/>
+              </a:defRPr>
+            </a:lvl6pPr>
+            <a:lvl7pPr marL="1484313" indent="-228600" algn="l" defTabSz="914400" rtl="0" eaLnBrk="1" latinLnBrk="1" hangingPunct="1">
+              <a:lnSpc>
+                <a:spcPct val="100000"/>
+              </a:lnSpc>
+              <a:spcBef>
+                <a:spcPts val="1000"/>
+              </a:spcBef>
+              <a:buClr>
+                <a:schemeClr val="accent2"/>
+              </a:buClr>
+              <a:buFont typeface="Arial" panose="020B0604020202020204" pitchFamily="34" charset="0"/>
+              <a:buChar char="•"/>
+              <a:defRPr sz="1600" kern="1200">
+                <a:solidFill>
+                  <a:schemeClr val="tx1"/>
+                </a:solidFill>
+                <a:latin typeface="+mn-lt"/>
+                <a:ea typeface="+mn-ea"/>
+                <a:cs typeface="+mn-cs"/>
+              </a:defRPr>
+            </a:lvl7pPr>
+            <a:lvl8pPr marL="1657350" indent="-228600" algn="l" defTabSz="914400" rtl="0" eaLnBrk="1" latinLnBrk="1" hangingPunct="1">
+              <a:lnSpc>
+                <a:spcPct val="100000"/>
+              </a:lnSpc>
+              <a:spcBef>
+                <a:spcPts val="1000"/>
+              </a:spcBef>
+              <a:buClr>
+                <a:schemeClr val="accent2"/>
+              </a:buClr>
+              <a:buFont typeface="Arial" panose="020B0604020202020204" pitchFamily="34" charset="0"/>
+              <a:buChar char="•"/>
+              <a:defRPr sz="1600" kern="1200" baseline="0">
+                <a:solidFill>
+                  <a:schemeClr val="tx1"/>
+                </a:solidFill>
+                <a:latin typeface="+mn-lt"/>
+                <a:ea typeface="+mn-ea"/>
+                <a:cs typeface="+mn-cs"/>
+              </a:defRPr>
+            </a:lvl8pPr>
+            <a:lvl9pPr marL="1882775" indent="-228600" algn="l" defTabSz="914400" rtl="0" eaLnBrk="1" latinLnBrk="1" hangingPunct="1">
+              <a:lnSpc>
+                <a:spcPct val="100000"/>
+              </a:lnSpc>
+              <a:spcBef>
+                <a:spcPts val="1000"/>
+              </a:spcBef>
+              <a:buClr>
+                <a:schemeClr val="accent2"/>
+              </a:buClr>
+              <a:buFont typeface="Arial" panose="020B0604020202020204" pitchFamily="34" charset="0"/>
+              <a:buChar char="•"/>
+              <a:defRPr sz="1600" kern="1200" baseline="0">
+                <a:solidFill>
+                  <a:schemeClr val="tx1"/>
+                </a:solidFill>
+                <a:latin typeface="+mn-lt"/>
+                <a:ea typeface="+mn-ea"/>
+                <a:cs typeface="+mn-cs"/>
+              </a:defRPr>
+            </a:lvl9pPr>
+          </a:lstStyle>
+          <a:p>
+            <a:pPr marL="0" indent="0">
+              <a:buFont typeface="Arial" panose="020B0604020202020204" pitchFamily="34" charset="0"/>
+              <a:buNone/>
+            </a:pPr>
+            <a:r>
+              <a:rPr lang="en-US" altLang="ko-KR" dirty="0"/>
+              <a:t>3. </a:t>
+            </a:r>
+            <a:r>
+              <a:rPr lang="ko-KR" altLang="en-US" dirty="0"/>
+              <a:t>예제 </a:t>
+            </a:r>
+            <a:r>
+              <a:rPr lang="ko-KR" altLang="en-US" dirty="0" err="1"/>
+              <a:t>풀어보기</a:t>
+            </a:r>
+            <a:r>
+              <a:rPr lang="ko-KR" altLang="en-US" dirty="0"/>
+              <a:t>  </a:t>
+            </a:r>
+            <a:endParaRPr lang="en-US" altLang="ko-KR" dirty="0"/>
+          </a:p>
+          <a:p>
+            <a:r>
+              <a:rPr lang="en-US" altLang="ko-KR" dirty="0"/>
+              <a:t>Stack </a:t>
+            </a:r>
+            <a:r>
+              <a:rPr lang="ko-KR" altLang="en-US" dirty="0"/>
+              <a:t>알고리즘 예제</a:t>
+            </a:r>
+            <a:r>
+              <a:rPr lang="en-US" altLang="ko-KR" dirty="0"/>
+              <a:t> </a:t>
+            </a:r>
+          </a:p>
+          <a:p>
+            <a:r>
+              <a:rPr lang="en-US" altLang="ko-KR" dirty="0"/>
+              <a:t>Que</a:t>
+            </a:r>
+            <a:r>
+              <a:rPr lang="ko-KR" altLang="en-US" dirty="0"/>
+              <a:t> 알고리즘 예제 </a:t>
+            </a:r>
+            <a:endParaRPr lang="en-US" altLang="ko-KR" dirty="0"/>
+          </a:p>
+          <a:p>
+            <a:endParaRPr lang="en-US" altLang="ko-KR" dirty="0"/>
+          </a:p>
+          <a:p>
+            <a:pPr marL="0" indent="0">
+              <a:buNone/>
+            </a:pPr>
+            <a:r>
+              <a:rPr lang="en-US" altLang="ko-KR" dirty="0"/>
+              <a:t>4. </a:t>
+            </a:r>
+            <a:r>
+              <a:rPr lang="ko-KR" altLang="en-US" dirty="0"/>
+              <a:t>기출문제 </a:t>
+            </a:r>
+            <a:r>
+              <a:rPr lang="ko-KR" altLang="en-US" dirty="0" err="1"/>
+              <a:t>풀어보기</a:t>
+            </a:r>
+            <a:r>
+              <a:rPr lang="ko-KR" altLang="en-US" dirty="0"/>
+              <a:t> </a:t>
+            </a:r>
+            <a:endParaRPr lang="en-US" altLang="ko-KR" dirty="0"/>
+          </a:p>
+          <a:p>
+            <a:pPr marL="0" indent="0">
+              <a:buNone/>
+            </a:pPr>
+            <a:endParaRPr lang="en-US" altLang="ko-KR" dirty="0"/>
+          </a:p>
+          <a:p>
+            <a:pPr marL="0" indent="0">
+              <a:buNone/>
+            </a:pPr>
+            <a:r>
+              <a:rPr lang="en-US" altLang="ko-KR" dirty="0"/>
+              <a:t>5. </a:t>
+            </a:r>
+            <a:r>
+              <a:rPr lang="ko-KR" altLang="en-US" dirty="0" err="1"/>
+              <a:t>추가예제</a:t>
+            </a:r>
+            <a:r>
+              <a:rPr lang="ko-KR" altLang="en-US" dirty="0"/>
+              <a:t> </a:t>
+            </a:r>
+            <a:r>
+              <a:rPr lang="en-US" altLang="ko-KR" dirty="0"/>
+              <a:t>– </a:t>
+            </a:r>
+            <a:r>
+              <a:rPr lang="ko-KR" altLang="en-US" dirty="0"/>
+              <a:t>수행과제 </a:t>
+            </a:r>
+            <a:endParaRPr lang="en-US" altLang="ko-KR" dirty="0"/>
+          </a:p>
+          <a:p>
+            <a:endParaRPr lang="ko-KR" altLang="en-US" dirty="0"/>
+          </a:p>
+        </p:txBody>
+      </p:sp>
+      <p:cxnSp>
+        <p:nvCxnSpPr>
+          <p:cNvPr id="6" name="직선 연결선 5">
+            <a:extLst>
+              <a:ext uri="{FF2B5EF4-FFF2-40B4-BE49-F238E27FC236}">
+                <a16:creationId xmlns:a16="http://schemas.microsoft.com/office/drawing/2014/main" id="{DE03CD5E-5F5E-4491-8CBD-4B9882227DF5}"/>
+              </a:ext>
+            </a:extLst>
+          </p:cNvPr>
+          <p:cNvCxnSpPr/>
+          <p:nvPr/>
+        </p:nvCxnSpPr>
+        <p:spPr>
+          <a:xfrm>
+            <a:off x="6096000" y="2638042"/>
+            <a:ext cx="0" cy="3101983"/>
+          </a:xfrm>
+          <a:prstGeom prst="line">
+            <a:avLst/>
+          </a:prstGeom>
+          <a:ln w="28575">
+            <a:solidFill>
+              <a:srgbClr val="9BAFB5"/>
+            </a:solidFill>
+            <a:prstDash val="dash"/>
+          </a:ln>
+        </p:spPr>
+        <p:style>
+          <a:lnRef idx="1">
+            <a:schemeClr val="accent2"/>
+          </a:lnRef>
+          <a:fillRef idx="0">
+            <a:schemeClr val="accent2"/>
+          </a:fillRef>
+          <a:effectRef idx="0">
+            <a:schemeClr val="accent2"/>
+          </a:effectRef>
+          <a:fontRef idx="minor">
+            <a:schemeClr val="tx1"/>
+          </a:fontRef>
+        </p:style>
+      </p:cxnSp>
     </p:spTree>
     <p:extLst>
       <p:ext uri="{BB962C8B-B14F-4D97-AF65-F5344CB8AC3E}">
@@ -3438,40 +3917,91 @@
             <p:ph type="title"/>
           </p:nvPr>
         </p:nvSpPr>
-        <p:spPr/>
-        <p:txBody>
-          <a:bodyPr/>
-          <a:lstStyle/>
-          <a:p>
-            <a:endParaRPr lang="ko-KR" altLang="en-US"/>
-          </a:p>
-        </p:txBody>
-      </p:sp>
-      <p:sp>
-        <p:nvSpPr>
-          <p:cNvPr id="3" name="내용 개체 틀 2">
+        <p:spPr>
+          <a:xfrm>
+            <a:off x="769620" y="189946"/>
+            <a:ext cx="4486656" cy="513440"/>
+          </a:xfrm>
+        </p:spPr>
+        <p:txBody>
+          <a:bodyPr>
+            <a:normAutofit fontScale="90000"/>
+          </a:bodyPr>
+          <a:lstStyle/>
+          <a:p>
+            <a:r>
+              <a:rPr lang="en-US" altLang="ko-KR" dirty="0"/>
+              <a:t>1. </a:t>
+            </a:r>
+            <a:r>
+              <a:rPr lang="ko-KR" altLang="en-US" dirty="0"/>
+              <a:t>알고리즘 개요 </a:t>
+            </a:r>
+          </a:p>
+        </p:txBody>
+      </p:sp>
+      <p:pic>
+        <p:nvPicPr>
+          <p:cNvPr id="6" name="내용 개체 틀 5">
             <a:extLst>
               <a:ext uri="{FF2B5EF4-FFF2-40B4-BE49-F238E27FC236}">
-                <a16:creationId xmlns:a16="http://schemas.microsoft.com/office/drawing/2014/main" id="{AFC4B7C1-D2FF-4183-A38B-A15E8445F4D7}"/>
+                <a16:creationId xmlns:a16="http://schemas.microsoft.com/office/drawing/2014/main" id="{4179E265-0B3A-4C89-B17D-B3A67D65D0E2}"/>
               </a:ext>
             </a:extLst>
           </p:cNvPr>
-          <p:cNvSpPr>
-            <a:spLocks noGrp="1"/>
-          </p:cNvSpPr>
+          <p:cNvPicPr>
+            <a:picLocks noGrp="1" noChangeAspect="1"/>
+          </p:cNvPicPr>
           <p:nvPr>
             <p:ph idx="1"/>
           </p:nvPr>
-        </p:nvSpPr>
-        <p:spPr/>
-        <p:txBody>
-          <a:bodyPr/>
-          <a:lstStyle/>
-          <a:p>
-            <a:endParaRPr lang="ko-KR" altLang="en-US"/>
-          </a:p>
-        </p:txBody>
-      </p:sp>
+        </p:nvPicPr>
+        <p:blipFill>
+          <a:blip r:embed="rId2"/>
+          <a:stretch>
+            <a:fillRect/>
+          </a:stretch>
+        </p:blipFill>
+        <p:spPr>
+          <a:xfrm>
+            <a:off x="6886575" y="189946"/>
+            <a:ext cx="4514850" cy="2919014"/>
+          </a:xfrm>
+          <a:prstGeom prst="rect">
+            <a:avLst/>
+          </a:prstGeom>
+        </p:spPr>
+      </p:pic>
+      <p:pic>
+        <p:nvPicPr>
+          <p:cNvPr id="7" name="그림 6">
+            <a:extLst>
+              <a:ext uri="{FF2B5EF4-FFF2-40B4-BE49-F238E27FC236}">
+                <a16:creationId xmlns:a16="http://schemas.microsoft.com/office/drawing/2014/main" id="{2429276B-95CA-40CE-BE87-006D4D0CBFE1}"/>
+              </a:ext>
+            </a:extLst>
+          </p:cNvPr>
+          <p:cNvPicPr>
+            <a:picLocks noChangeAspect="1"/>
+          </p:cNvPicPr>
+          <p:nvPr/>
+        </p:nvPicPr>
+        <p:blipFill>
+          <a:blip r:embed="rId3"/>
+          <a:stretch>
+            <a:fillRect/>
+          </a:stretch>
+        </p:blipFill>
+        <p:spPr>
+          <a:xfrm>
+            <a:off x="974891" y="1367623"/>
+            <a:ext cx="3371850" cy="1019175"/>
+          </a:xfrm>
+          <a:prstGeom prst="rect">
+            <a:avLst/>
+          </a:prstGeom>
+        </p:spPr>
+      </p:pic>
       <p:sp>
         <p:nvSpPr>
           <p:cNvPr id="4" name="텍스트 개체 틀 3">
@@ -3488,19 +4018,803 @@
             <p:ph type="body" sz="half" idx="2"/>
           </p:nvPr>
         </p:nvSpPr>
-        <p:spPr/>
-        <p:txBody>
-          <a:bodyPr/>
-          <a:lstStyle/>
-          <a:p>
-            <a:endParaRPr lang="ko-KR" altLang="en-US"/>
-          </a:p>
-        </p:txBody>
-      </p:sp>
+        <p:spPr>
+          <a:xfrm>
+            <a:off x="496590" y="2386798"/>
+            <a:ext cx="4061343" cy="276495"/>
+          </a:xfrm>
+        </p:spPr>
+        <p:txBody>
+          <a:bodyPr>
+            <a:normAutofit fontScale="92500" lnSpcReduction="20000"/>
+          </a:bodyPr>
+          <a:lstStyle/>
+          <a:p>
+            <a:pPr algn="l"/>
+            <a:r>
+              <a:rPr lang="ko-KR" altLang="en-US" dirty="0"/>
+              <a:t>출처</a:t>
+            </a:r>
+            <a:r>
+              <a:rPr lang="en-US" altLang="ko-KR" dirty="0"/>
+              <a:t>: https://monsieursongsong.tistory.com/4</a:t>
+            </a:r>
+            <a:endParaRPr lang="ko-KR" altLang="en-US" dirty="0"/>
+          </a:p>
+        </p:txBody>
+      </p:sp>
+      <p:sp>
+        <p:nvSpPr>
+          <p:cNvPr id="5" name="TextBox 4">
+            <a:extLst>
+              <a:ext uri="{FF2B5EF4-FFF2-40B4-BE49-F238E27FC236}">
+                <a16:creationId xmlns:a16="http://schemas.microsoft.com/office/drawing/2014/main" id="{F83BAFA1-C11B-4672-B510-037979FA2D38}"/>
+              </a:ext>
+            </a:extLst>
+          </p:cNvPr>
+          <p:cNvSpPr txBox="1"/>
+          <p:nvPr/>
+        </p:nvSpPr>
+        <p:spPr>
+          <a:xfrm>
+            <a:off x="769620" y="804672"/>
+            <a:ext cx="4486656" cy="461665"/>
+          </a:xfrm>
+          <a:prstGeom prst="rect">
+            <a:avLst/>
+          </a:prstGeom>
+          <a:noFill/>
+        </p:spPr>
+        <p:txBody>
+          <a:bodyPr wrap="square" rtlCol="0">
+            <a:spAutoFit/>
+          </a:bodyPr>
+          <a:lstStyle/>
+          <a:p>
+            <a:r>
+              <a:rPr lang="ko-KR" altLang="en-US" sz="2400" dirty="0">
+                <a:solidFill>
+                  <a:schemeClr val="bg1"/>
+                </a:solidFill>
+              </a:rPr>
+              <a:t>▶ </a:t>
+            </a:r>
+            <a:r>
+              <a:rPr lang="en-US" altLang="ko-KR" sz="2400" dirty="0">
+                <a:solidFill>
+                  <a:schemeClr val="bg1"/>
+                </a:solidFill>
+              </a:rPr>
+              <a:t>Stack</a:t>
+            </a:r>
+            <a:r>
+              <a:rPr lang="ko-KR" altLang="en-US" sz="2400" dirty="0">
+                <a:solidFill>
+                  <a:schemeClr val="bg1"/>
+                </a:solidFill>
+              </a:rPr>
+              <a:t> 알고리즘이란</a:t>
+            </a:r>
+            <a:r>
+              <a:rPr lang="en-US" altLang="ko-KR" sz="2400" dirty="0">
+                <a:solidFill>
+                  <a:schemeClr val="bg1"/>
+                </a:solidFill>
+              </a:rPr>
+              <a:t>?</a:t>
+            </a:r>
+            <a:r>
+              <a:rPr lang="en-US" altLang="ko-KR" dirty="0">
+                <a:solidFill>
+                  <a:schemeClr val="bg1"/>
+                </a:solidFill>
+              </a:rPr>
+              <a:t> </a:t>
+            </a:r>
+            <a:endParaRPr lang="ko-KR" altLang="en-US" dirty="0">
+              <a:solidFill>
+                <a:schemeClr val="bg1"/>
+              </a:solidFill>
+            </a:endParaRPr>
+          </a:p>
+        </p:txBody>
+      </p:sp>
+      <p:sp>
+        <p:nvSpPr>
+          <p:cNvPr id="8" name="TextBox 7">
+            <a:extLst>
+              <a:ext uri="{FF2B5EF4-FFF2-40B4-BE49-F238E27FC236}">
+                <a16:creationId xmlns:a16="http://schemas.microsoft.com/office/drawing/2014/main" id="{CF2F0064-E6D2-4F8F-B3AC-9DC0B8893011}"/>
+              </a:ext>
+            </a:extLst>
+          </p:cNvPr>
+          <p:cNvSpPr txBox="1"/>
+          <p:nvPr/>
+        </p:nvSpPr>
+        <p:spPr>
+          <a:xfrm>
+            <a:off x="974891" y="3334044"/>
+            <a:ext cx="4173884" cy="2031325"/>
+          </a:xfrm>
+          <a:prstGeom prst="rect">
+            <a:avLst/>
+          </a:prstGeom>
+          <a:noFill/>
+        </p:spPr>
+        <p:txBody>
+          <a:bodyPr wrap="square" rtlCol="0">
+            <a:spAutoFit/>
+          </a:bodyPr>
+          <a:lstStyle/>
+          <a:p>
+            <a:r>
+              <a:rPr lang="ko-KR" altLang="en-US" dirty="0">
+                <a:solidFill>
+                  <a:schemeClr val="bg1"/>
+                </a:solidFill>
+              </a:rPr>
+              <a:t>스택</a:t>
+            </a:r>
+            <a:r>
+              <a:rPr lang="en-US" altLang="ko-KR" dirty="0">
+                <a:solidFill>
+                  <a:schemeClr val="bg1"/>
+                </a:solidFill>
+              </a:rPr>
+              <a:t>(Stack) </a:t>
+            </a:r>
+            <a:r>
+              <a:rPr lang="ko-KR" altLang="en-US" dirty="0">
+                <a:solidFill>
+                  <a:schemeClr val="bg1"/>
+                </a:solidFill>
+              </a:rPr>
+              <a:t>이란</a:t>
+            </a:r>
+            <a:r>
+              <a:rPr lang="en-US" altLang="ko-KR" dirty="0">
+                <a:solidFill>
+                  <a:schemeClr val="bg1"/>
+                </a:solidFill>
+              </a:rPr>
+              <a:t> </a:t>
+            </a:r>
+            <a:r>
+              <a:rPr lang="ko-KR" altLang="en-US" dirty="0">
+                <a:solidFill>
+                  <a:schemeClr val="bg1"/>
+                </a:solidFill>
+              </a:rPr>
+              <a:t>자료구조는 사전적 정의처럼 </a:t>
+            </a:r>
+            <a:endParaRPr lang="en-US" altLang="ko-KR" dirty="0">
+              <a:solidFill>
+                <a:schemeClr val="bg1"/>
+              </a:solidFill>
+            </a:endParaRPr>
+          </a:p>
+          <a:p>
+            <a:r>
+              <a:rPr lang="ko-KR" altLang="en-US" dirty="0">
+                <a:solidFill>
+                  <a:schemeClr val="bg1"/>
+                </a:solidFill>
+              </a:rPr>
+              <a:t>밑이 막힌 상자처럼 되어있는 구조이다</a:t>
+            </a:r>
+            <a:r>
+              <a:rPr lang="en-US" altLang="ko-KR" dirty="0">
+                <a:solidFill>
+                  <a:schemeClr val="bg1"/>
+                </a:solidFill>
+              </a:rPr>
+              <a:t>. </a:t>
+            </a:r>
+          </a:p>
+          <a:p>
+            <a:endParaRPr lang="en-US" altLang="ko-KR" dirty="0">
+              <a:solidFill>
+                <a:schemeClr val="bg1"/>
+              </a:solidFill>
+            </a:endParaRPr>
+          </a:p>
+          <a:p>
+            <a:r>
+              <a:rPr lang="ko-KR" altLang="en-US" dirty="0">
+                <a:solidFill>
+                  <a:schemeClr val="bg1"/>
+                </a:solidFill>
+              </a:rPr>
+              <a:t>밑이 막혀 있으니 위로만 자료를 집어넣거나 </a:t>
+            </a:r>
+            <a:endParaRPr lang="en-US" altLang="ko-KR" dirty="0">
+              <a:solidFill>
+                <a:schemeClr val="bg1"/>
+              </a:solidFill>
+            </a:endParaRPr>
+          </a:p>
+          <a:p>
+            <a:r>
+              <a:rPr lang="ko-KR" altLang="en-US" dirty="0">
+                <a:solidFill>
+                  <a:schemeClr val="bg1"/>
+                </a:solidFill>
+              </a:rPr>
+              <a:t>뺄 수 있다</a:t>
+            </a:r>
+            <a:r>
+              <a:rPr lang="en-US" altLang="ko-KR" dirty="0">
+                <a:solidFill>
+                  <a:schemeClr val="bg1"/>
+                </a:solidFill>
+              </a:rPr>
+              <a:t>. </a:t>
+            </a:r>
+            <a:r>
+              <a:rPr lang="ko-KR" altLang="en-US" dirty="0">
+                <a:solidFill>
+                  <a:schemeClr val="bg1"/>
+                </a:solidFill>
+              </a:rPr>
+              <a:t>이러한 스택의 특성을 </a:t>
+            </a:r>
+            <a:endParaRPr lang="en-US" altLang="ko-KR" dirty="0">
+              <a:solidFill>
+                <a:schemeClr val="bg1"/>
+              </a:solidFill>
+            </a:endParaRPr>
+          </a:p>
+          <a:p>
+            <a:r>
+              <a:rPr lang="en-US" altLang="ko-KR" dirty="0">
+                <a:solidFill>
+                  <a:schemeClr val="bg1"/>
+                </a:solidFill>
+              </a:rPr>
+              <a:t>‘</a:t>
+            </a:r>
+            <a:r>
+              <a:rPr lang="ko-KR" altLang="en-US" dirty="0" err="1">
+                <a:solidFill>
+                  <a:schemeClr val="bg1"/>
+                </a:solidFill>
+              </a:rPr>
+              <a:t>선입후출</a:t>
+            </a:r>
+            <a:r>
+              <a:rPr lang="en-US" altLang="ko-KR" dirty="0">
+                <a:solidFill>
+                  <a:schemeClr val="bg1"/>
+                </a:solidFill>
+              </a:rPr>
+              <a:t>’ </a:t>
+            </a:r>
+            <a:r>
+              <a:rPr lang="ko-KR" altLang="en-US" dirty="0">
+                <a:solidFill>
+                  <a:schemeClr val="bg1"/>
+                </a:solidFill>
+              </a:rPr>
+              <a:t>또는 </a:t>
+            </a:r>
+            <a:r>
+              <a:rPr lang="en-US" altLang="ko-KR" dirty="0">
+                <a:solidFill>
+                  <a:schemeClr val="bg1"/>
+                </a:solidFill>
+              </a:rPr>
+              <a:t>‘</a:t>
+            </a:r>
+            <a:r>
+              <a:rPr lang="ko-KR" altLang="en-US" dirty="0" err="1">
+                <a:solidFill>
+                  <a:schemeClr val="bg1"/>
+                </a:solidFill>
+              </a:rPr>
+              <a:t>후입선출</a:t>
+            </a:r>
+            <a:r>
+              <a:rPr lang="en-US" altLang="ko-KR" dirty="0">
+                <a:solidFill>
+                  <a:schemeClr val="bg1"/>
+                </a:solidFill>
+              </a:rPr>
+              <a:t>’, </a:t>
+            </a:r>
+          </a:p>
+          <a:p>
+            <a:r>
+              <a:rPr lang="ko-KR" altLang="en-US" dirty="0">
+                <a:solidFill>
+                  <a:schemeClr val="bg1"/>
+                </a:solidFill>
+              </a:rPr>
+              <a:t>영어로 </a:t>
+            </a:r>
+            <a:r>
+              <a:rPr lang="en-US" altLang="ko-KR" dirty="0">
+                <a:solidFill>
+                  <a:schemeClr val="bg1"/>
+                </a:solidFill>
+              </a:rPr>
+              <a:t>‘LIFO(Last</a:t>
+            </a:r>
+            <a:r>
+              <a:rPr lang="ko-KR" altLang="en-US" dirty="0">
+                <a:solidFill>
+                  <a:schemeClr val="bg1"/>
+                </a:solidFill>
+              </a:rPr>
+              <a:t> </a:t>
+            </a:r>
+            <a:r>
+              <a:rPr lang="en-US" altLang="ko-KR" dirty="0">
+                <a:solidFill>
+                  <a:schemeClr val="bg1"/>
+                </a:solidFill>
+              </a:rPr>
+              <a:t>In</a:t>
+            </a:r>
+            <a:r>
+              <a:rPr lang="ko-KR" altLang="en-US" dirty="0">
+                <a:solidFill>
+                  <a:schemeClr val="bg1"/>
+                </a:solidFill>
+              </a:rPr>
+              <a:t> </a:t>
+            </a:r>
+            <a:r>
+              <a:rPr lang="en-US" altLang="ko-KR" dirty="0">
+                <a:solidFill>
+                  <a:schemeClr val="bg1"/>
+                </a:solidFill>
+              </a:rPr>
+              <a:t>First</a:t>
+            </a:r>
+            <a:r>
+              <a:rPr lang="ko-KR" altLang="en-US" dirty="0">
+                <a:solidFill>
+                  <a:schemeClr val="bg1"/>
+                </a:solidFill>
+              </a:rPr>
+              <a:t> </a:t>
+            </a:r>
+            <a:r>
+              <a:rPr lang="en-US" altLang="ko-KR" dirty="0">
+                <a:solidFill>
+                  <a:schemeClr val="bg1"/>
+                </a:solidFill>
+              </a:rPr>
+              <a:t>Out)’ </a:t>
+            </a:r>
+            <a:r>
+              <a:rPr lang="ko-KR" altLang="en-US" dirty="0">
+                <a:solidFill>
+                  <a:schemeClr val="bg1"/>
+                </a:solidFill>
+              </a:rPr>
+              <a:t>이라고 한다</a:t>
+            </a:r>
+            <a:r>
+              <a:rPr lang="en-US" altLang="ko-KR" dirty="0">
+                <a:solidFill>
+                  <a:schemeClr val="bg1"/>
+                </a:solidFill>
+              </a:rPr>
+              <a:t>. </a:t>
+            </a:r>
+          </a:p>
+        </p:txBody>
+      </p:sp>
+      <p:pic>
+        <p:nvPicPr>
+          <p:cNvPr id="1026" name="Picture 2">
+            <a:extLst>
+              <a:ext uri="{FF2B5EF4-FFF2-40B4-BE49-F238E27FC236}">
+                <a16:creationId xmlns:a16="http://schemas.microsoft.com/office/drawing/2014/main" id="{69E265D3-7E66-4F90-8FF4-E6BE7159E743}"/>
+              </a:ext>
+            </a:extLst>
+          </p:cNvPr>
+          <p:cNvPicPr>
+            <a:picLocks noChangeAspect="1" noChangeArrowheads="1"/>
+          </p:cNvPicPr>
+          <p:nvPr/>
+        </p:nvPicPr>
+        <p:blipFill>
+          <a:blip r:embed="rId4">
+            <a:extLst>
+              <a:ext uri="{28A0092B-C50C-407E-A947-70E740481C1C}">
+                <a14:useLocalDpi xmlns:a14="http://schemas.microsoft.com/office/drawing/2010/main" val="0"/>
+              </a:ext>
+            </a:extLst>
+          </a:blip>
+          <a:srcRect/>
+          <a:stretch>
+            <a:fillRect/>
+          </a:stretch>
+        </p:blipFill>
+        <p:spPr bwMode="auto">
+          <a:xfrm>
+            <a:off x="6886575" y="3362179"/>
+            <a:ext cx="4514850" cy="3324110"/>
+          </a:xfrm>
+          <a:prstGeom prst="rect">
+            <a:avLst/>
+          </a:prstGeom>
+          <a:noFill/>
+          <a:extLst>
+            <a:ext uri="{909E8E84-426E-40DD-AFC4-6F175D3DCCD1}">
+              <a14:hiddenFill xmlns:a14="http://schemas.microsoft.com/office/drawing/2010/main">
+                <a:solidFill>
+                  <a:srgbClr val="FFFFFF"/>
+                </a:solidFill>
+              </a14:hiddenFill>
+            </a:ext>
+          </a:extLst>
+        </p:spPr>
+      </p:pic>
+      <p:pic>
+        <p:nvPicPr>
+          <p:cNvPr id="1028" name="Picture 4" descr="관련 이미지">
+            <a:extLst>
+              <a:ext uri="{FF2B5EF4-FFF2-40B4-BE49-F238E27FC236}">
+                <a16:creationId xmlns:a16="http://schemas.microsoft.com/office/drawing/2014/main" id="{A0DD6E44-A036-4F30-A995-9148E666DF94}"/>
+              </a:ext>
+            </a:extLst>
+          </p:cNvPr>
+          <p:cNvPicPr>
+            <a:picLocks noChangeAspect="1" noChangeArrowheads="1"/>
+          </p:cNvPicPr>
+          <p:nvPr/>
+        </p:nvPicPr>
+        <p:blipFill>
+          <a:blip r:embed="rId5">
+            <a:extLst>
+              <a:ext uri="{28A0092B-C50C-407E-A947-70E740481C1C}">
+                <a14:useLocalDpi xmlns:a14="http://schemas.microsoft.com/office/drawing/2010/main" val="0"/>
+              </a:ext>
+            </a:extLst>
+          </a:blip>
+          <a:srcRect/>
+          <a:stretch>
+            <a:fillRect/>
+          </a:stretch>
+        </p:blipFill>
+        <p:spPr bwMode="auto">
+          <a:xfrm>
+            <a:off x="10680309" y="-75885"/>
+            <a:ext cx="1109601" cy="1018984"/>
+          </a:xfrm>
+          <a:prstGeom prst="rect">
+            <a:avLst/>
+          </a:prstGeom>
+          <a:noFill/>
+          <a:extLst>
+            <a:ext uri="{909E8E84-426E-40DD-AFC4-6F175D3DCCD1}">
+              <a14:hiddenFill xmlns:a14="http://schemas.microsoft.com/office/drawing/2010/main">
+                <a:solidFill>
+                  <a:srgbClr val="FFFFFF"/>
+                </a:solidFill>
+              </a14:hiddenFill>
+            </a:ext>
+          </a:extLst>
+        </p:spPr>
+      </p:pic>
+      <p:pic>
+        <p:nvPicPr>
+          <p:cNvPr id="11" name="Picture 4" descr="관련 이미지">
+            <a:extLst>
+              <a:ext uri="{FF2B5EF4-FFF2-40B4-BE49-F238E27FC236}">
+                <a16:creationId xmlns:a16="http://schemas.microsoft.com/office/drawing/2014/main" id="{A816B32A-58B0-4D7F-8538-40309F35F850}"/>
+              </a:ext>
+            </a:extLst>
+          </p:cNvPr>
+          <p:cNvPicPr>
+            <a:picLocks noChangeAspect="1" noChangeArrowheads="1"/>
+          </p:cNvPicPr>
+          <p:nvPr/>
+        </p:nvPicPr>
+        <p:blipFill>
+          <a:blip r:embed="rId5">
+            <a:extLst>
+              <a:ext uri="{28A0092B-C50C-407E-A947-70E740481C1C}">
+                <a14:useLocalDpi xmlns:a14="http://schemas.microsoft.com/office/drawing/2010/main" val="0"/>
+              </a:ext>
+            </a:extLst>
+          </a:blip>
+          <a:srcRect/>
+          <a:stretch>
+            <a:fillRect/>
+          </a:stretch>
+        </p:blipFill>
+        <p:spPr bwMode="auto">
+          <a:xfrm>
+            <a:off x="6488426" y="2395950"/>
+            <a:ext cx="1109601" cy="1018984"/>
+          </a:xfrm>
+          <a:prstGeom prst="rect">
+            <a:avLst/>
+          </a:prstGeom>
+          <a:noFill/>
+          <a:extLst>
+            <a:ext uri="{909E8E84-426E-40DD-AFC4-6F175D3DCCD1}">
+              <a14:hiddenFill xmlns:a14="http://schemas.microsoft.com/office/drawing/2010/main">
+                <a:solidFill>
+                  <a:srgbClr val="FFFFFF"/>
+                </a:solidFill>
+              </a14:hiddenFill>
+            </a:ext>
+          </a:extLst>
+        </p:spPr>
+      </p:pic>
+      <p:pic>
+        <p:nvPicPr>
+          <p:cNvPr id="12" name="Picture 4" descr="관련 이미지">
+            <a:extLst>
+              <a:ext uri="{FF2B5EF4-FFF2-40B4-BE49-F238E27FC236}">
+                <a16:creationId xmlns:a16="http://schemas.microsoft.com/office/drawing/2014/main" id="{C4257397-964D-47F3-B407-AE9C2A70AAA3}"/>
+              </a:ext>
+            </a:extLst>
+          </p:cNvPr>
+          <p:cNvPicPr>
+            <a:picLocks noChangeAspect="1" noChangeArrowheads="1"/>
+          </p:cNvPicPr>
+          <p:nvPr/>
+        </p:nvPicPr>
+        <p:blipFill>
+          <a:blip r:embed="rId5">
+            <a:extLst>
+              <a:ext uri="{28A0092B-C50C-407E-A947-70E740481C1C}">
+                <a14:useLocalDpi xmlns:a14="http://schemas.microsoft.com/office/drawing/2010/main" val="0"/>
+              </a:ext>
+            </a:extLst>
+          </a:blip>
+          <a:srcRect/>
+          <a:stretch>
+            <a:fillRect/>
+          </a:stretch>
+        </p:blipFill>
+        <p:spPr bwMode="auto">
+          <a:xfrm>
+            <a:off x="10697445" y="3105445"/>
+            <a:ext cx="1109601" cy="1018984"/>
+          </a:xfrm>
+          <a:prstGeom prst="rect">
+            <a:avLst/>
+          </a:prstGeom>
+          <a:noFill/>
+          <a:extLst>
+            <a:ext uri="{909E8E84-426E-40DD-AFC4-6F175D3DCCD1}">
+              <a14:hiddenFill xmlns:a14="http://schemas.microsoft.com/office/drawing/2010/main">
+                <a:solidFill>
+                  <a:srgbClr val="FFFFFF"/>
+                </a:solidFill>
+              </a14:hiddenFill>
+            </a:ext>
+          </a:extLst>
+        </p:spPr>
+      </p:pic>
+      <p:pic>
+        <p:nvPicPr>
+          <p:cNvPr id="13" name="Picture 4" descr="관련 이미지">
+            <a:extLst>
+              <a:ext uri="{FF2B5EF4-FFF2-40B4-BE49-F238E27FC236}">
+                <a16:creationId xmlns:a16="http://schemas.microsoft.com/office/drawing/2014/main" id="{78802474-46F1-47E7-899B-974D43F820AA}"/>
+              </a:ext>
+            </a:extLst>
+          </p:cNvPr>
+          <p:cNvPicPr>
+            <a:picLocks noChangeAspect="1" noChangeArrowheads="1"/>
+          </p:cNvPicPr>
+          <p:nvPr/>
+        </p:nvPicPr>
+        <p:blipFill>
+          <a:blip r:embed="rId5">
+            <a:extLst>
+              <a:ext uri="{28A0092B-C50C-407E-A947-70E740481C1C}">
+                <a14:useLocalDpi xmlns:a14="http://schemas.microsoft.com/office/drawing/2010/main" val="0"/>
+              </a:ext>
+            </a:extLst>
+          </a:blip>
+          <a:srcRect/>
+          <a:stretch>
+            <a:fillRect/>
+          </a:stretch>
+        </p:blipFill>
+        <p:spPr bwMode="auto">
+          <a:xfrm>
+            <a:off x="6488426" y="5920524"/>
+            <a:ext cx="1109601" cy="1018984"/>
+          </a:xfrm>
+          <a:prstGeom prst="rect">
+            <a:avLst/>
+          </a:prstGeom>
+          <a:noFill/>
+          <a:extLst>
+            <a:ext uri="{909E8E84-426E-40DD-AFC4-6F175D3DCCD1}">
+              <a14:hiddenFill xmlns:a14="http://schemas.microsoft.com/office/drawing/2010/main">
+                <a:solidFill>
+                  <a:srgbClr val="FFFFFF"/>
+                </a:solidFill>
+              </a14:hiddenFill>
+            </a:ext>
+          </a:extLst>
+        </p:spPr>
+      </p:pic>
     </p:spTree>
     <p:extLst>
       <p:ext uri="{BB962C8B-B14F-4D97-AF65-F5344CB8AC3E}">
         <p14:creationId xmlns:p14="http://schemas.microsoft.com/office/powerpoint/2010/main" val="3673347735"/>
+      </p:ext>
+    </p:extLst>
+  </p:cSld>
+  <p:clrMapOvr>
+    <a:masterClrMapping/>
+  </p:clrMapOvr>
+</p:sld>
+</file>
+
+<file path=ppt/slides/slide4.xml><?xml version="1.0" encoding="utf-8"?>
+<p:sld xmlns:a="http://schemas.openxmlformats.org/drawingml/2006/main" xmlns:r="http://schemas.openxmlformats.org/officeDocument/2006/relationships" xmlns:p="http://schemas.openxmlformats.org/presentationml/2006/main">
+  <p:cSld>
+    <p:spTree>
+      <p:nvGrpSpPr>
+        <p:cNvPr id="1" name=""/>
+        <p:cNvGrpSpPr/>
+        <p:nvPr/>
+      </p:nvGrpSpPr>
+      <p:grpSpPr>
+        <a:xfrm>
+          <a:off x="0" y="0"/>
+          <a:ext cx="0" cy="0"/>
+          <a:chOff x="0" y="0"/>
+          <a:chExt cx="0" cy="0"/>
+        </a:xfrm>
+      </p:grpSpPr>
+      <p:sp>
+        <p:nvSpPr>
+          <p:cNvPr id="2" name="제목 1">
+            <a:extLst>
+              <a:ext uri="{FF2B5EF4-FFF2-40B4-BE49-F238E27FC236}">
+                <a16:creationId xmlns:a16="http://schemas.microsoft.com/office/drawing/2014/main" id="{46EF07D7-2C4E-4DE1-B52F-9ACD386C79CB}"/>
+              </a:ext>
+            </a:extLst>
+          </p:cNvPr>
+          <p:cNvSpPr>
+            <a:spLocks noGrp="1"/>
+          </p:cNvSpPr>
+          <p:nvPr>
+            <p:ph type="title"/>
+          </p:nvPr>
+        </p:nvSpPr>
+        <p:spPr>
+          <a:xfrm>
+            <a:off x="769620" y="189946"/>
+            <a:ext cx="4486656" cy="513440"/>
+          </a:xfrm>
+        </p:spPr>
+        <p:txBody>
+          <a:bodyPr>
+            <a:normAutofit fontScale="90000"/>
+          </a:bodyPr>
+          <a:lstStyle/>
+          <a:p>
+            <a:r>
+              <a:rPr lang="en-US" altLang="ko-KR" dirty="0"/>
+              <a:t>1. </a:t>
+            </a:r>
+            <a:r>
+              <a:rPr lang="ko-KR" altLang="en-US" dirty="0"/>
+              <a:t>알고리즘 개요 </a:t>
+            </a:r>
+          </a:p>
+        </p:txBody>
+      </p:sp>
+      <p:sp>
+        <p:nvSpPr>
+          <p:cNvPr id="5" name="TextBox 4">
+            <a:extLst>
+              <a:ext uri="{FF2B5EF4-FFF2-40B4-BE49-F238E27FC236}">
+                <a16:creationId xmlns:a16="http://schemas.microsoft.com/office/drawing/2014/main" id="{F83BAFA1-C11B-4672-B510-037979FA2D38}"/>
+              </a:ext>
+            </a:extLst>
+          </p:cNvPr>
+          <p:cNvSpPr txBox="1"/>
+          <p:nvPr/>
+        </p:nvSpPr>
+        <p:spPr>
+          <a:xfrm>
+            <a:off x="769620" y="804672"/>
+            <a:ext cx="4486656" cy="461665"/>
+          </a:xfrm>
+          <a:prstGeom prst="rect">
+            <a:avLst/>
+          </a:prstGeom>
+          <a:noFill/>
+        </p:spPr>
+        <p:txBody>
+          <a:bodyPr wrap="square" rtlCol="0">
+            <a:spAutoFit/>
+          </a:bodyPr>
+          <a:lstStyle/>
+          <a:p>
+            <a:r>
+              <a:rPr lang="ko-KR" altLang="en-US" sz="2400" dirty="0">
+                <a:solidFill>
+                  <a:schemeClr val="bg1"/>
+                </a:solidFill>
+              </a:rPr>
+              <a:t>▶ </a:t>
+            </a:r>
+            <a:r>
+              <a:rPr lang="en-US" altLang="ko-KR" sz="2400" dirty="0">
+                <a:solidFill>
+                  <a:schemeClr val="bg1"/>
+                </a:solidFill>
+              </a:rPr>
+              <a:t>Stack</a:t>
+            </a:r>
+            <a:r>
+              <a:rPr lang="ko-KR" altLang="en-US" sz="2400" dirty="0">
+                <a:solidFill>
+                  <a:schemeClr val="bg1"/>
+                </a:solidFill>
+              </a:rPr>
+              <a:t> 알고리즘이란</a:t>
+            </a:r>
+            <a:r>
+              <a:rPr lang="en-US" altLang="ko-KR" sz="2400" dirty="0">
+                <a:solidFill>
+                  <a:schemeClr val="bg1"/>
+                </a:solidFill>
+              </a:rPr>
+              <a:t>?</a:t>
+            </a:r>
+            <a:r>
+              <a:rPr lang="en-US" altLang="ko-KR" dirty="0">
+                <a:solidFill>
+                  <a:schemeClr val="bg1"/>
+                </a:solidFill>
+              </a:rPr>
+              <a:t> </a:t>
+            </a:r>
+            <a:endParaRPr lang="ko-KR" altLang="en-US" dirty="0">
+              <a:solidFill>
+                <a:schemeClr val="bg1"/>
+              </a:solidFill>
+            </a:endParaRPr>
+          </a:p>
+        </p:txBody>
+      </p:sp>
+      <p:sp>
+        <p:nvSpPr>
+          <p:cNvPr id="11" name="내용 개체 틀 10">
+            <a:extLst>
+              <a:ext uri="{FF2B5EF4-FFF2-40B4-BE49-F238E27FC236}">
+                <a16:creationId xmlns:a16="http://schemas.microsoft.com/office/drawing/2014/main" id="{3D545EDA-C844-409D-AE21-FF51A94C4EB7}"/>
+              </a:ext>
+            </a:extLst>
+          </p:cNvPr>
+          <p:cNvSpPr>
+            <a:spLocks noGrp="1"/>
+          </p:cNvSpPr>
+          <p:nvPr>
+            <p:ph idx="1"/>
+          </p:nvPr>
+        </p:nvSpPr>
+        <p:spPr/>
+        <p:txBody>
+          <a:bodyPr/>
+          <a:lstStyle/>
+          <a:p>
+            <a:endParaRPr lang="ko-KR" altLang="en-US"/>
+          </a:p>
+        </p:txBody>
+      </p:sp>
+    </p:spTree>
+    <p:extLst>
+      <p:ext uri="{BB962C8B-B14F-4D97-AF65-F5344CB8AC3E}">
+        <p14:creationId xmlns:p14="http://schemas.microsoft.com/office/powerpoint/2010/main" val="3238607292"/>
       </p:ext>
     </p:extLst>
   </p:cSld>
